--- a/FinalPresentation.pptx
+++ b/FinalPresentation.pptx
@@ -11,15 +11,14 @@
     <p:sldId id="261" r:id="rId5"/>
     <p:sldId id="262" r:id="rId6"/>
     <p:sldId id="263" r:id="rId7"/>
-    <p:sldId id="264" r:id="rId8"/>
-    <p:sldId id="265" r:id="rId9"/>
-    <p:sldId id="266" r:id="rId10"/>
-    <p:sldId id="267" r:id="rId11"/>
-    <p:sldId id="268" r:id="rId12"/>
-    <p:sldId id="269" r:id="rId13"/>
-    <p:sldId id="270" r:id="rId14"/>
-    <p:sldId id="271" r:id="rId15"/>
-    <p:sldId id="272" r:id="rId16"/>
+    <p:sldId id="265" r:id="rId8"/>
+    <p:sldId id="266" r:id="rId9"/>
+    <p:sldId id="267" r:id="rId10"/>
+    <p:sldId id="268" r:id="rId11"/>
+    <p:sldId id="269" r:id="rId12"/>
+    <p:sldId id="270" r:id="rId13"/>
+    <p:sldId id="271" r:id="rId14"/>
+    <p:sldId id="272" r:id="rId15"/>
   </p:sldIdLst>
   <p:sldSz cx="12192000" cy="6858000"/>
   <p:notesSz cx="6858000" cy="9144000"/>
@@ -275,7 +274,7 @@
           <a:p>
             <a:fld id="{3E2B7B67-3D37-43CD-9510-BD13F486ECE9}" type="datetimeFigureOut">
               <a:rPr lang="en-IN" smtClean="0"/>
-              <a:t>31-03-2021</a:t>
+              <a:t>31-03-21</a:t>
             </a:fld>
             <a:endParaRPr lang="en-IN"/>
           </a:p>
@@ -475,7 +474,7 @@
           <a:p>
             <a:fld id="{3E2B7B67-3D37-43CD-9510-BD13F486ECE9}" type="datetimeFigureOut">
               <a:rPr lang="en-IN" smtClean="0"/>
-              <a:t>31-03-2021</a:t>
+              <a:t>31-03-21</a:t>
             </a:fld>
             <a:endParaRPr lang="en-IN"/>
           </a:p>
@@ -685,7 +684,7 @@
           <a:p>
             <a:fld id="{3E2B7B67-3D37-43CD-9510-BD13F486ECE9}" type="datetimeFigureOut">
               <a:rPr lang="en-IN" smtClean="0"/>
-              <a:t>31-03-2021</a:t>
+              <a:t>31-03-21</a:t>
             </a:fld>
             <a:endParaRPr lang="en-IN"/>
           </a:p>
@@ -885,7 +884,7 @@
           <a:p>
             <a:fld id="{3E2B7B67-3D37-43CD-9510-BD13F486ECE9}" type="datetimeFigureOut">
               <a:rPr lang="en-IN" smtClean="0"/>
-              <a:t>31-03-2021</a:t>
+              <a:t>31-03-21</a:t>
             </a:fld>
             <a:endParaRPr lang="en-IN"/>
           </a:p>
@@ -1161,7 +1160,7 @@
           <a:p>
             <a:fld id="{3E2B7B67-3D37-43CD-9510-BD13F486ECE9}" type="datetimeFigureOut">
               <a:rPr lang="en-IN" smtClean="0"/>
-              <a:t>31-03-2021</a:t>
+              <a:t>31-03-21</a:t>
             </a:fld>
             <a:endParaRPr lang="en-IN"/>
           </a:p>
@@ -1429,7 +1428,7 @@
           <a:p>
             <a:fld id="{3E2B7B67-3D37-43CD-9510-BD13F486ECE9}" type="datetimeFigureOut">
               <a:rPr lang="en-IN" smtClean="0"/>
-              <a:t>31-03-2021</a:t>
+              <a:t>31-03-21</a:t>
             </a:fld>
             <a:endParaRPr lang="en-IN"/>
           </a:p>
@@ -1844,7 +1843,7 @@
           <a:p>
             <a:fld id="{3E2B7B67-3D37-43CD-9510-BD13F486ECE9}" type="datetimeFigureOut">
               <a:rPr lang="en-IN" smtClean="0"/>
-              <a:t>31-03-2021</a:t>
+              <a:t>31-03-21</a:t>
             </a:fld>
             <a:endParaRPr lang="en-IN"/>
           </a:p>
@@ -1986,7 +1985,7 @@
           <a:p>
             <a:fld id="{3E2B7B67-3D37-43CD-9510-BD13F486ECE9}" type="datetimeFigureOut">
               <a:rPr lang="en-IN" smtClean="0"/>
-              <a:t>31-03-2021</a:t>
+              <a:t>31-03-21</a:t>
             </a:fld>
             <a:endParaRPr lang="en-IN"/>
           </a:p>
@@ -2099,7 +2098,7 @@
           <a:p>
             <a:fld id="{3E2B7B67-3D37-43CD-9510-BD13F486ECE9}" type="datetimeFigureOut">
               <a:rPr lang="en-IN" smtClean="0"/>
-              <a:t>31-03-2021</a:t>
+              <a:t>31-03-21</a:t>
             </a:fld>
             <a:endParaRPr lang="en-IN"/>
           </a:p>
@@ -2412,7 +2411,7 @@
           <a:p>
             <a:fld id="{3E2B7B67-3D37-43CD-9510-BD13F486ECE9}" type="datetimeFigureOut">
               <a:rPr lang="en-IN" smtClean="0"/>
-              <a:t>31-03-2021</a:t>
+              <a:t>31-03-21</a:t>
             </a:fld>
             <a:endParaRPr lang="en-IN"/>
           </a:p>
@@ -2701,7 +2700,7 @@
           <a:p>
             <a:fld id="{3E2B7B67-3D37-43CD-9510-BD13F486ECE9}" type="datetimeFigureOut">
               <a:rPr lang="en-IN" smtClean="0"/>
-              <a:t>31-03-2021</a:t>
+              <a:t>31-03-21</a:t>
             </a:fld>
             <a:endParaRPr lang="en-IN"/>
           </a:p>
@@ -2944,7 +2943,7 @@
           <a:p>
             <a:fld id="{3E2B7B67-3D37-43CD-9510-BD13F486ECE9}" type="datetimeFigureOut">
               <a:rPr lang="en-IN" smtClean="0"/>
-              <a:t>31-03-2021</a:t>
+              <a:t>31-03-21</a:t>
             </a:fld>
             <a:endParaRPr lang="en-IN"/>
           </a:p>
@@ -3575,7 +3574,7 @@
           <p:cNvPr id="3" name="Content Placeholder 2">
             <a:extLst>
               <a:ext uri="{FF2B5EF4-FFF2-40B4-BE49-F238E27FC236}">
-                <a16:creationId xmlns:a16="http://schemas.microsoft.com/office/drawing/2014/main" id="{5EE139B8-A97E-485C-9D79-4802BBA1B825}"/>
+                <a16:creationId xmlns:a16="http://schemas.microsoft.com/office/drawing/2014/main" id="{C7A29A17-0857-4FDE-9E88-41E45F6999F0}"/>
               </a:ext>
             </a:extLst>
           </p:cNvPr>
@@ -3588,9 +3587,10 @@
         </p:nvSpPr>
         <p:spPr>
           <a:xfrm>
-            <a:off x="647700" y="1749425"/>
+            <a:off x="838200" y="1825625"/>
             <a:ext cx="10515600" cy="4351338"/>
           </a:xfrm>
+          <a:noFill/>
         </p:spPr>
         <p:txBody>
           <a:bodyPr/>
@@ -3602,7 +3602,7 @@
                   <a:schemeClr val="bg1"/>
                 </a:solidFill>
               </a:rPr>
-              <a:t>Add Bank Accounts</a:t>
+              <a:t>Add Creditcards </a:t>
             </a:r>
           </a:p>
           <a:p>
@@ -3612,7 +3612,7 @@
                   <a:schemeClr val="bg1"/>
                 </a:solidFill>
               </a:rPr>
-              <a:t>Update Bank Account Details</a:t>
+              <a:t>Delete Credit cards </a:t>
             </a:r>
           </a:p>
           <a:p>
@@ -3622,7 +3622,7 @@
                   <a:schemeClr val="bg1"/>
                 </a:solidFill>
               </a:rPr>
-              <a:t>Delete Bank Account Details</a:t>
+              <a:t>Find Credit Cards using customer Id</a:t>
             </a:r>
           </a:p>
           <a:p>
@@ -3632,8 +3632,22 @@
                   <a:schemeClr val="bg1"/>
                 </a:solidFill>
               </a:rPr>
-              <a:t>List All Accounts</a:t>
-            </a:r>
+              <a:t>List all credit cards Which belongs to particular customer</a:t>
+            </a:r>
+          </a:p>
+          <a:p>
+            <a:endParaRPr lang="en-IN" dirty="0">
+              <a:solidFill>
+                <a:schemeClr val="bg1"/>
+              </a:solidFill>
+            </a:endParaRPr>
+          </a:p>
+          <a:p>
+            <a:endParaRPr lang="en-IN" dirty="0">
+              <a:solidFill>
+                <a:schemeClr val="bg1"/>
+              </a:solidFill>
+            </a:endParaRPr>
           </a:p>
         </p:txBody>
       </p:sp>
@@ -3642,7 +3656,7 @@
           <p:cNvPr id="4" name="Rectangle 3">
             <a:extLst>
               <a:ext uri="{FF2B5EF4-FFF2-40B4-BE49-F238E27FC236}">
-                <a16:creationId xmlns:a16="http://schemas.microsoft.com/office/drawing/2014/main" id="{17993683-AC3E-4497-8F06-DF6B653103B9}"/>
+                <a16:creationId xmlns:a16="http://schemas.microsoft.com/office/drawing/2014/main" id="{11BAE99E-17D3-4A6B-B738-015D033B1281}"/>
               </a:ext>
             </a:extLst>
           </p:cNvPr>
@@ -3651,7 +3665,7 @@
         </p:nvSpPr>
         <p:spPr>
           <a:xfrm>
-            <a:off x="65650" y="495300"/>
+            <a:off x="-2601350" y="681037"/>
             <a:ext cx="12126350" cy="830997"/>
           </a:xfrm>
           <a:prstGeom prst="rect">
@@ -3680,7 +3694,7 @@
                   <a:schemeClr val="bg2"/>
                 </a:solidFill>
               </a:rPr>
-              <a:t> ACCOUNT</a:t>
+              <a:t>CREDIT CARD</a:t>
             </a:r>
             <a:r>
               <a:rPr lang="en-US" sz="4800" b="1" cap="none" spc="0" dirty="0">
@@ -3705,7 +3719,7 @@
     </p:spTree>
     <p:extLst>
       <p:ext uri="{BB962C8B-B14F-4D97-AF65-F5344CB8AC3E}">
-        <p14:creationId xmlns:p14="http://schemas.microsoft.com/office/powerpoint/2010/main" val="1877294006"/>
+        <p14:creationId xmlns:p14="http://schemas.microsoft.com/office/powerpoint/2010/main" val="683449639"/>
       </p:ext>
     </p:extLst>
   </p:cSld>
@@ -3716,197 +3730,6 @@
 </file>
 
 <file path=ppt/slides/slide11.xml><?xml version="1.0" encoding="utf-8"?>
-<p:sld xmlns:a="http://schemas.openxmlformats.org/drawingml/2006/main" xmlns:r="http://schemas.openxmlformats.org/officeDocument/2006/relationships" xmlns:p="http://schemas.openxmlformats.org/presentationml/2006/main">
-  <p:cSld>
-    <p:bg>
-      <p:bgPr>
-        <a:blipFill dpi="0" rotWithShape="1">
-          <a:blip r:embed="rId2">
-            <a:lum/>
-          </a:blip>
-          <a:srcRect/>
-          <a:stretch>
-            <a:fillRect l="-12000" r="-12000"/>
-          </a:stretch>
-        </a:blipFill>
-        <a:effectLst/>
-      </p:bgPr>
-    </p:bg>
-    <p:spTree>
-      <p:nvGrpSpPr>
-        <p:cNvPr id="1" name=""/>
-        <p:cNvGrpSpPr/>
-        <p:nvPr/>
-      </p:nvGrpSpPr>
-      <p:grpSpPr>
-        <a:xfrm>
-          <a:off x="0" y="0"/>
-          <a:ext cx="0" cy="0"/>
-          <a:chOff x="0" y="0"/>
-          <a:chExt cx="0" cy="0"/>
-        </a:xfrm>
-      </p:grpSpPr>
-      <p:sp>
-        <p:nvSpPr>
-          <p:cNvPr id="3" name="Content Placeholder 2">
-            <a:extLst>
-              <a:ext uri="{FF2B5EF4-FFF2-40B4-BE49-F238E27FC236}">
-                <a16:creationId xmlns:a16="http://schemas.microsoft.com/office/drawing/2014/main" id="{C7A29A17-0857-4FDE-9E88-41E45F6999F0}"/>
-              </a:ext>
-            </a:extLst>
-          </p:cNvPr>
-          <p:cNvSpPr>
-            <a:spLocks noGrp="1"/>
-          </p:cNvSpPr>
-          <p:nvPr>
-            <p:ph idx="1"/>
-          </p:nvPr>
-        </p:nvSpPr>
-        <p:spPr>
-          <a:xfrm>
-            <a:off x="838200" y="1825625"/>
-            <a:ext cx="10515600" cy="4351338"/>
-          </a:xfrm>
-          <a:noFill/>
-        </p:spPr>
-        <p:txBody>
-          <a:bodyPr/>
-          <a:lstStyle/>
-          <a:p>
-            <a:r>
-              <a:rPr lang="en-IN" dirty="0">
-                <a:solidFill>
-                  <a:schemeClr val="bg1"/>
-                </a:solidFill>
-              </a:rPr>
-              <a:t>Add Creditcards </a:t>
-            </a:r>
-          </a:p>
-          <a:p>
-            <a:r>
-              <a:rPr lang="en-IN" dirty="0">
-                <a:solidFill>
-                  <a:schemeClr val="bg1"/>
-                </a:solidFill>
-              </a:rPr>
-              <a:t>Delete Credit cards </a:t>
-            </a:r>
-          </a:p>
-          <a:p>
-            <a:r>
-              <a:rPr lang="en-IN" dirty="0">
-                <a:solidFill>
-                  <a:schemeClr val="bg1"/>
-                </a:solidFill>
-              </a:rPr>
-              <a:t>Find Credit Cards using customer Id</a:t>
-            </a:r>
-          </a:p>
-          <a:p>
-            <a:r>
-              <a:rPr lang="en-IN" dirty="0">
-                <a:solidFill>
-                  <a:schemeClr val="bg1"/>
-                </a:solidFill>
-              </a:rPr>
-              <a:t>List all credit cards Which belongs to particular customer</a:t>
-            </a:r>
-          </a:p>
-          <a:p>
-            <a:endParaRPr lang="en-IN" dirty="0">
-              <a:solidFill>
-                <a:schemeClr val="bg1"/>
-              </a:solidFill>
-            </a:endParaRPr>
-          </a:p>
-          <a:p>
-            <a:endParaRPr lang="en-IN" dirty="0">
-              <a:solidFill>
-                <a:schemeClr val="bg1"/>
-              </a:solidFill>
-            </a:endParaRPr>
-          </a:p>
-        </p:txBody>
-      </p:sp>
-      <p:sp>
-        <p:nvSpPr>
-          <p:cNvPr id="4" name="Rectangle 3">
-            <a:extLst>
-              <a:ext uri="{FF2B5EF4-FFF2-40B4-BE49-F238E27FC236}">
-                <a16:creationId xmlns:a16="http://schemas.microsoft.com/office/drawing/2014/main" id="{11BAE99E-17D3-4A6B-B738-015D033B1281}"/>
-              </a:ext>
-            </a:extLst>
-          </p:cNvPr>
-          <p:cNvSpPr/>
-          <p:nvPr/>
-        </p:nvSpPr>
-        <p:spPr>
-          <a:xfrm>
-            <a:off x="-2601350" y="681037"/>
-            <a:ext cx="12126350" cy="830997"/>
-          </a:xfrm>
-          <a:prstGeom prst="rect">
-            <a:avLst/>
-          </a:prstGeom>
-          <a:noFill/>
-        </p:spPr>
-        <p:txBody>
-          <a:bodyPr wrap="square" lIns="91440" tIns="45720" rIns="91440" bIns="45720">
-            <a:spAutoFit/>
-          </a:bodyPr>
-          <a:lstStyle/>
-          <a:p>
-            <a:pPr algn="ctr"/>
-            <a:r>
-              <a:rPr lang="en-US" sz="4800" b="1" dirty="0">
-                <a:ln w="22225">
-                  <a:solidFill>
-                    <a:schemeClr val="accent1">
-                      <a:lumMod val="75000"/>
-                    </a:schemeClr>
-                  </a:solidFill>
-                  <a:prstDash val="solid"/>
-                </a:ln>
-                <a:solidFill>
-                  <a:schemeClr val="bg2"/>
-                </a:solidFill>
-              </a:rPr>
-              <a:t>CREDIT CARD</a:t>
-            </a:r>
-            <a:r>
-              <a:rPr lang="en-US" sz="4800" b="1" cap="none" spc="0" dirty="0">
-                <a:ln w="22225">
-                  <a:solidFill>
-                    <a:schemeClr val="accent1">
-                      <a:lumMod val="75000"/>
-                    </a:schemeClr>
-                  </a:solidFill>
-                  <a:prstDash val="solid"/>
-                </a:ln>
-                <a:solidFill>
-                  <a:schemeClr val="bg2"/>
-                </a:solidFill>
-                <a:effectLst/>
-              </a:rPr>
-              <a:t> MODULE</a:t>
-            </a:r>
-          </a:p>
-        </p:txBody>
-      </p:sp>
-    </p:spTree>
-    <p:extLst>
-      <p:ext uri="{BB962C8B-B14F-4D97-AF65-F5344CB8AC3E}">
-        <p14:creationId xmlns:p14="http://schemas.microsoft.com/office/powerpoint/2010/main" val="683449639"/>
-      </p:ext>
-    </p:extLst>
-  </p:cSld>
-  <p:clrMapOvr>
-    <a:masterClrMapping/>
-  </p:clrMapOvr>
-</p:sld>
-</file>
-
-<file path=ppt/slides/slide12.xml><?xml version="1.0" encoding="utf-8"?>
 <p:sld xmlns:a="http://schemas.openxmlformats.org/drawingml/2006/main" xmlns:r="http://schemas.openxmlformats.org/officeDocument/2006/relationships" xmlns:p="http://schemas.openxmlformats.org/presentationml/2006/main">
   <p:cSld>
     <p:bg>
@@ -4054,7 +3877,7 @@
 </p:sld>
 </file>
 
-<file path=ppt/slides/slide13.xml><?xml version="1.0" encoding="utf-8"?>
+<file path=ppt/slides/slide12.xml><?xml version="1.0" encoding="utf-8"?>
 <p:sld xmlns:a="http://schemas.openxmlformats.org/drawingml/2006/main" xmlns:r="http://schemas.openxmlformats.org/officeDocument/2006/relationships" xmlns:p="http://schemas.openxmlformats.org/presentationml/2006/main">
   <p:cSld>
     <p:bg>
@@ -4442,7 +4265,7 @@
 </p:sld>
 </file>
 
-<file path=ppt/slides/slide14.xml><?xml version="1.0" encoding="utf-8"?>
+<file path=ppt/slides/slide13.xml><?xml version="1.0" encoding="utf-8"?>
 <p:sld xmlns:a="http://schemas.openxmlformats.org/drawingml/2006/main" xmlns:r="http://schemas.openxmlformats.org/officeDocument/2006/relationships" xmlns:p="http://schemas.openxmlformats.org/presentationml/2006/main">
   <p:cSld>
     <p:bg>
@@ -4623,7 +4446,7 @@
 </p:sld>
 </file>
 
-<file path=ppt/slides/slide15.xml><?xml version="1.0" encoding="utf-8"?>
+<file path=ppt/slides/slide14.xml><?xml version="1.0" encoding="utf-8"?>
 <p:sld xmlns:a="http://schemas.openxmlformats.org/drawingml/2006/main" xmlns:r="http://schemas.openxmlformats.org/officeDocument/2006/relationships" xmlns:p="http://schemas.openxmlformats.org/presentationml/2006/main">
   <p:cSld>
     <p:bg>
@@ -6414,6 +6237,44 @@
           </a:prstGeom>
         </p:spPr>
       </p:pic>
+      <p:sp>
+        <p:nvSpPr>
+          <p:cNvPr id="3" name="TextBox 2">
+            <a:extLst>
+              <a:ext uri="{FF2B5EF4-FFF2-40B4-BE49-F238E27FC236}">
+                <a16:creationId xmlns:a16="http://schemas.microsoft.com/office/drawing/2014/main" id="{139164E1-A441-48CC-A2DF-6FBCBAB51AD6}"/>
+              </a:ext>
+            </a:extLst>
+          </p:cNvPr>
+          <p:cNvSpPr txBox="1"/>
+          <p:nvPr/>
+        </p:nvSpPr>
+        <p:spPr>
+          <a:xfrm>
+            <a:off x="838200" y="566241"/>
+            <a:ext cx="3860800" cy="461665"/>
+          </a:xfrm>
+          <a:prstGeom prst="rect">
+            <a:avLst/>
+          </a:prstGeom>
+          <a:noFill/>
+        </p:spPr>
+        <p:txBody>
+          <a:bodyPr wrap="square" rtlCol="0">
+            <a:spAutoFit/>
+          </a:bodyPr>
+          <a:lstStyle/>
+          <a:p>
+            <a:r>
+              <a:rPr lang="en-IN" sz="2400" dirty="0">
+                <a:latin typeface="Times New Roman" panose="02020603050405020304" pitchFamily="18" charset="0"/>
+                <a:cs typeface="Times New Roman" panose="02020603050405020304" pitchFamily="18" charset="0"/>
+              </a:rPr>
+              <a:t>Overview</a:t>
+            </a:r>
+          </a:p>
+        </p:txBody>
+      </p:sp>
     </p:spTree>
     <p:extLst>
       <p:ext uri="{BB962C8B-B14F-4D97-AF65-F5344CB8AC3E}">
@@ -7003,10 +6864,10 @@
       </p:sp>
       <p:pic>
         <p:nvPicPr>
-          <p:cNvPr id="3" name="Picture 2">
-            <a:extLst>
-              <a:ext uri="{FF2B5EF4-FFF2-40B4-BE49-F238E27FC236}">
-                <a16:creationId xmlns:a16="http://schemas.microsoft.com/office/drawing/2014/main" id="{C4C70ECB-2BDD-4948-A9AD-34CC74DBAB5C}"/>
+          <p:cNvPr id="4" name="Picture 3">
+            <a:extLst>
+              <a:ext uri="{FF2B5EF4-FFF2-40B4-BE49-F238E27FC236}">
+                <a16:creationId xmlns:a16="http://schemas.microsoft.com/office/drawing/2014/main" id="{FF6A0C68-39E0-408D-9F65-CAC25B16B73B}"/>
               </a:ext>
             </a:extLst>
           </p:cNvPr>
@@ -7047,6 +6908,44 @@
           </a:effectLst>
         </p:spPr>
       </p:pic>
+      <p:sp>
+        <p:nvSpPr>
+          <p:cNvPr id="12" name="TextBox 11">
+            <a:extLst>
+              <a:ext uri="{FF2B5EF4-FFF2-40B4-BE49-F238E27FC236}">
+                <a16:creationId xmlns:a16="http://schemas.microsoft.com/office/drawing/2014/main" id="{677A087A-864D-4AB8-AAE2-0993F7CD2BC9}"/>
+              </a:ext>
+            </a:extLst>
+          </p:cNvPr>
+          <p:cNvSpPr txBox="1"/>
+          <p:nvPr/>
+        </p:nvSpPr>
+        <p:spPr>
+          <a:xfrm>
+            <a:off x="5105400" y="2764906"/>
+            <a:ext cx="3860800" cy="461665"/>
+          </a:xfrm>
+          <a:prstGeom prst="rect">
+            <a:avLst/>
+          </a:prstGeom>
+          <a:noFill/>
+        </p:spPr>
+        <p:txBody>
+          <a:bodyPr wrap="square" rtlCol="0">
+            <a:spAutoFit/>
+          </a:bodyPr>
+          <a:lstStyle/>
+          <a:p>
+            <a:r>
+              <a:rPr lang="en-IN" sz="2400" dirty="0">
+                <a:latin typeface="Times New Roman" panose="02020603050405020304" pitchFamily="18" charset="0"/>
+                <a:cs typeface="Times New Roman" panose="02020603050405020304" pitchFamily="18" charset="0"/>
+              </a:rPr>
+              <a:t>Class Diagram</a:t>
+            </a:r>
+          </a:p>
+        </p:txBody>
+      </p:sp>
     </p:spTree>
     <p:extLst>
       <p:ext uri="{BB962C8B-B14F-4D97-AF65-F5344CB8AC3E}">
@@ -7061,86 +6960,6 @@
 </file>
 
 <file path=ppt/slides/slide7.xml><?xml version="1.0" encoding="utf-8"?>
-<p:sld xmlns:a="http://schemas.openxmlformats.org/drawingml/2006/main" xmlns:r="http://schemas.openxmlformats.org/officeDocument/2006/relationships" xmlns:p="http://schemas.openxmlformats.org/presentationml/2006/main">
-  <p:cSld>
-    <p:spTree>
-      <p:nvGrpSpPr>
-        <p:cNvPr id="1" name=""/>
-        <p:cNvGrpSpPr/>
-        <p:nvPr/>
-      </p:nvGrpSpPr>
-      <p:grpSpPr>
-        <a:xfrm>
-          <a:off x="0" y="0"/>
-          <a:ext cx="0" cy="0"/>
-          <a:chOff x="0" y="0"/>
-          <a:chExt cx="0" cy="0"/>
-        </a:xfrm>
-      </p:grpSpPr>
-      <p:sp>
-        <p:nvSpPr>
-          <p:cNvPr id="2" name="Title 1">
-            <a:extLst>
-              <a:ext uri="{FF2B5EF4-FFF2-40B4-BE49-F238E27FC236}">
-                <a16:creationId xmlns:a16="http://schemas.microsoft.com/office/drawing/2014/main" id="{9A4B0B1F-8360-49B5-8BAB-48C79A4DD900}"/>
-              </a:ext>
-            </a:extLst>
-          </p:cNvPr>
-          <p:cNvSpPr>
-            <a:spLocks noGrp="1"/>
-          </p:cNvSpPr>
-          <p:nvPr>
-            <p:ph type="title"/>
-          </p:nvPr>
-        </p:nvSpPr>
-        <p:spPr/>
-        <p:txBody>
-          <a:bodyPr/>
-          <a:lstStyle/>
-          <a:p>
-            <a:endParaRPr lang="en-IN" dirty="0"/>
-          </a:p>
-        </p:txBody>
-      </p:sp>
-      <p:sp>
-        <p:nvSpPr>
-          <p:cNvPr id="3" name="Content Placeholder 2">
-            <a:extLst>
-              <a:ext uri="{FF2B5EF4-FFF2-40B4-BE49-F238E27FC236}">
-                <a16:creationId xmlns:a16="http://schemas.microsoft.com/office/drawing/2014/main" id="{BEAB7664-D651-425D-ADA6-45A6232EE16A}"/>
-              </a:ext>
-            </a:extLst>
-          </p:cNvPr>
-          <p:cNvSpPr>
-            <a:spLocks noGrp="1"/>
-          </p:cNvSpPr>
-          <p:nvPr>
-            <p:ph idx="1"/>
-          </p:nvPr>
-        </p:nvSpPr>
-        <p:spPr/>
-        <p:txBody>
-          <a:bodyPr/>
-          <a:lstStyle/>
-          <a:p>
-            <a:endParaRPr lang="en-IN"/>
-          </a:p>
-        </p:txBody>
-      </p:sp>
-    </p:spTree>
-    <p:extLst>
-      <p:ext uri="{BB962C8B-B14F-4D97-AF65-F5344CB8AC3E}">
-        <p14:creationId xmlns:p14="http://schemas.microsoft.com/office/powerpoint/2010/main" val="2943791184"/>
-      </p:ext>
-    </p:extLst>
-  </p:cSld>
-  <p:clrMapOvr>
-    <a:masterClrMapping/>
-  </p:clrMapOvr>
-</p:sld>
-</file>
-
-<file path=ppt/slides/slide8.xml><?xml version="1.0" encoding="utf-8"?>
 <p:sld xmlns:a="http://schemas.openxmlformats.org/drawingml/2006/main" xmlns:r="http://schemas.openxmlformats.org/officeDocument/2006/relationships" xmlns:p="http://schemas.openxmlformats.org/presentationml/2006/main">
   <p:cSld>
     <p:bg>
@@ -7333,7 +7152,7 @@
 </p:sld>
 </file>
 
-<file path=ppt/slides/slide9.xml><?xml version="1.0" encoding="utf-8"?>
+<file path=ppt/slides/slide8.xml><?xml version="1.0" encoding="utf-8"?>
 <p:sld xmlns:a="http://schemas.openxmlformats.org/drawingml/2006/main" xmlns:r="http://schemas.openxmlformats.org/officeDocument/2006/relationships" xmlns:p="http://schemas.openxmlformats.org/presentationml/2006/main">
   <p:cSld>
     <p:bg>
@@ -7487,6 +7306,182 @@
     <p:extLst>
       <p:ext uri="{BB962C8B-B14F-4D97-AF65-F5344CB8AC3E}">
         <p14:creationId xmlns:p14="http://schemas.microsoft.com/office/powerpoint/2010/main" val="471566428"/>
+      </p:ext>
+    </p:extLst>
+  </p:cSld>
+  <p:clrMapOvr>
+    <a:masterClrMapping/>
+  </p:clrMapOvr>
+</p:sld>
+</file>
+
+<file path=ppt/slides/slide9.xml><?xml version="1.0" encoding="utf-8"?>
+<p:sld xmlns:a="http://schemas.openxmlformats.org/drawingml/2006/main" xmlns:r="http://schemas.openxmlformats.org/officeDocument/2006/relationships" xmlns:p="http://schemas.openxmlformats.org/presentationml/2006/main">
+  <p:cSld>
+    <p:bg>
+      <p:bgPr>
+        <a:blipFill dpi="0" rotWithShape="1">
+          <a:blip r:embed="rId2">
+            <a:lum/>
+          </a:blip>
+          <a:srcRect/>
+          <a:stretch>
+            <a:fillRect l="-12000" r="-12000"/>
+          </a:stretch>
+        </a:blipFill>
+        <a:effectLst/>
+      </p:bgPr>
+    </p:bg>
+    <p:spTree>
+      <p:nvGrpSpPr>
+        <p:cNvPr id="1" name=""/>
+        <p:cNvGrpSpPr/>
+        <p:nvPr/>
+      </p:nvGrpSpPr>
+      <p:grpSpPr>
+        <a:xfrm>
+          <a:off x="0" y="0"/>
+          <a:ext cx="0" cy="0"/>
+          <a:chOff x="0" y="0"/>
+          <a:chExt cx="0" cy="0"/>
+        </a:xfrm>
+      </p:grpSpPr>
+      <p:sp>
+        <p:nvSpPr>
+          <p:cNvPr id="3" name="Content Placeholder 2">
+            <a:extLst>
+              <a:ext uri="{FF2B5EF4-FFF2-40B4-BE49-F238E27FC236}">
+                <a16:creationId xmlns:a16="http://schemas.microsoft.com/office/drawing/2014/main" id="{5EE139B8-A97E-485C-9D79-4802BBA1B825}"/>
+              </a:ext>
+            </a:extLst>
+          </p:cNvPr>
+          <p:cNvSpPr>
+            <a:spLocks noGrp="1"/>
+          </p:cNvSpPr>
+          <p:nvPr>
+            <p:ph idx="1"/>
+          </p:nvPr>
+        </p:nvSpPr>
+        <p:spPr>
+          <a:xfrm>
+            <a:off x="647700" y="1749425"/>
+            <a:ext cx="10515600" cy="4351338"/>
+          </a:xfrm>
+        </p:spPr>
+        <p:txBody>
+          <a:bodyPr/>
+          <a:lstStyle/>
+          <a:p>
+            <a:r>
+              <a:rPr lang="en-IN" dirty="0">
+                <a:solidFill>
+                  <a:schemeClr val="bg1"/>
+                </a:solidFill>
+              </a:rPr>
+              <a:t>Add Bank Accounts</a:t>
+            </a:r>
+          </a:p>
+          <a:p>
+            <a:r>
+              <a:rPr lang="en-IN" dirty="0">
+                <a:solidFill>
+                  <a:schemeClr val="bg1"/>
+                </a:solidFill>
+              </a:rPr>
+              <a:t>Update Bank Account Details</a:t>
+            </a:r>
+          </a:p>
+          <a:p>
+            <a:r>
+              <a:rPr lang="en-IN" dirty="0">
+                <a:solidFill>
+                  <a:schemeClr val="bg1"/>
+                </a:solidFill>
+              </a:rPr>
+              <a:t>Delete Bank Account Details</a:t>
+            </a:r>
+          </a:p>
+          <a:p>
+            <a:r>
+              <a:rPr lang="en-IN" dirty="0">
+                <a:solidFill>
+                  <a:schemeClr val="bg1"/>
+                </a:solidFill>
+              </a:rPr>
+              <a:t>List All Accounts</a:t>
+            </a:r>
+          </a:p>
+        </p:txBody>
+      </p:sp>
+      <p:sp>
+        <p:nvSpPr>
+          <p:cNvPr id="4" name="Rectangle 3">
+            <a:extLst>
+              <a:ext uri="{FF2B5EF4-FFF2-40B4-BE49-F238E27FC236}">
+                <a16:creationId xmlns:a16="http://schemas.microsoft.com/office/drawing/2014/main" id="{17993683-AC3E-4497-8F06-DF6B653103B9}"/>
+              </a:ext>
+            </a:extLst>
+          </p:cNvPr>
+          <p:cNvSpPr/>
+          <p:nvPr/>
+        </p:nvSpPr>
+        <p:spPr>
+          <a:xfrm>
+            <a:off x="65650" y="495300"/>
+            <a:ext cx="12126350" cy="830997"/>
+          </a:xfrm>
+          <a:prstGeom prst="rect">
+            <a:avLst/>
+          </a:prstGeom>
+          <a:noFill/>
+        </p:spPr>
+        <p:txBody>
+          <a:bodyPr wrap="square" lIns="91440" tIns="45720" rIns="91440" bIns="45720">
+            <a:spAutoFit/>
+          </a:bodyPr>
+          <a:lstStyle/>
+          <a:p>
+            <a:pPr algn="ctr"/>
+            <a:r>
+              <a:rPr lang="en-US" sz="4800" b="1" dirty="0">
+                <a:ln w="22225">
+                  <a:solidFill>
+                    <a:schemeClr val="accent1">
+                      <a:lumMod val="75000"/>
+                    </a:schemeClr>
+                  </a:solidFill>
+                  <a:prstDash val="solid"/>
+                </a:ln>
+                <a:solidFill>
+                  <a:schemeClr val="bg2"/>
+                </a:solidFill>
+              </a:rPr>
+              <a:t> ACCOUNT</a:t>
+            </a:r>
+            <a:r>
+              <a:rPr lang="en-US" sz="4800" b="1" cap="none" spc="0" dirty="0">
+                <a:ln w="22225">
+                  <a:solidFill>
+                    <a:schemeClr val="accent1">
+                      <a:lumMod val="75000"/>
+                    </a:schemeClr>
+                  </a:solidFill>
+                  <a:prstDash val="solid"/>
+                </a:ln>
+                <a:solidFill>
+                  <a:schemeClr val="bg2"/>
+                </a:solidFill>
+                <a:effectLst/>
+              </a:rPr>
+              <a:t> MODULE</a:t>
+            </a:r>
+          </a:p>
+        </p:txBody>
+      </p:sp>
+    </p:spTree>
+    <p:extLst>
+      <p:ext uri="{BB962C8B-B14F-4D97-AF65-F5344CB8AC3E}">
+        <p14:creationId xmlns:p14="http://schemas.microsoft.com/office/powerpoint/2010/main" val="1877294006"/>
       </p:ext>
     </p:extLst>
   </p:cSld>
